--- a/PresentationDS.pptx
+++ b/PresentationDS.pptx
@@ -5,8 +5,9 @@
     <p:sldMasterId id="2147483648" r:id="rId1"/>
   </p:sldMasterIdLst>
   <p:sldIdLst>
-    <p:sldId id="256" r:id="rId2"/>
-    <p:sldId id="257" r:id="rId3"/>
+    <p:sldId id="257" r:id="rId2"/>
+    <p:sldId id="256" r:id="rId3"/>
+    <p:sldId id="258" r:id="rId4"/>
   </p:sldIdLst>
   <p:sldSz cx="12192000" cy="6858000"/>
   <p:notesSz cx="6858000" cy="9144000"/>
@@ -105,6 +106,11 @@
       </a:defRPr>
     </a:lvl9pPr>
   </p:defaultTextStyle>
+  <p:extLst>
+    <p:ext uri="{EFAFB233-063F-42B5-8137-9DF3F51BA10A}">
+      <p15:sldGuideLst xmlns:p15="http://schemas.microsoft.com/office/powerpoint/2012/main"/>
+    </p:ext>
+  </p:extLst>
 </p:presentation>
 </file>
 
@@ -322,7 +328,7 @@
             <a:fld id="{B61BEF0D-F0BB-DE4B-95CE-6DB70DBA9567}" type="datetimeFigureOut">
               <a:rPr lang="en-US" dirty="0"/>
               <a:pPr/>
-              <a:t>3/2/2019</a:t>
+              <a:t>3/3/2019</a:t>
             </a:fld>
             <a:endParaRPr lang="en-US" dirty="0"/>
           </a:p>
@@ -610,7 +616,7 @@
             <a:fld id="{B61BEF0D-F0BB-DE4B-95CE-6DB70DBA9567}" type="datetimeFigureOut">
               <a:rPr lang="en-US" dirty="0"/>
               <a:pPr/>
-              <a:t>3/2/2019</a:t>
+              <a:t>3/3/2019</a:t>
             </a:fld>
             <a:endParaRPr lang="en-US" dirty="0"/>
           </a:p>
@@ -866,7 +872,7 @@
             <a:fld id="{B61BEF0D-F0BB-DE4B-95CE-6DB70DBA9567}" type="datetimeFigureOut">
               <a:rPr lang="en-US" dirty="0"/>
               <a:pPr/>
-              <a:t>3/2/2019</a:t>
+              <a:t>3/3/2019</a:t>
             </a:fld>
             <a:endParaRPr lang="en-US" dirty="0"/>
           </a:p>
@@ -1332,7 +1338,7 @@
             <a:fld id="{B61BEF0D-F0BB-DE4B-95CE-6DB70DBA9567}" type="datetimeFigureOut">
               <a:rPr lang="en-US" dirty="0"/>
               <a:pPr/>
-              <a:t>3/2/2019</a:t>
+              <a:t>3/3/2019</a:t>
             </a:fld>
             <a:endParaRPr lang="en-US" dirty="0"/>
           </a:p>
@@ -1509,7 +1515,7 @@
             <a:fld id="{B61BEF0D-F0BB-DE4B-95CE-6DB70DBA9567}" type="datetimeFigureOut">
               <a:rPr lang="en-US" dirty="0"/>
               <a:pPr/>
-              <a:t>3/2/2019</a:t>
+              <a:t>3/3/2019</a:t>
             </a:fld>
             <a:endParaRPr lang="en-US" dirty="0"/>
           </a:p>
@@ -2082,7 +2088,7 @@
             <a:fld id="{B61BEF0D-F0BB-DE4B-95CE-6DB70DBA9567}" type="datetimeFigureOut">
               <a:rPr lang="en-US" dirty="0"/>
               <a:pPr/>
-              <a:t>3/2/2019</a:t>
+              <a:t>3/3/2019</a:t>
             </a:fld>
             <a:endParaRPr lang="en-US" dirty="0"/>
           </a:p>
@@ -2411,7 +2417,7 @@
             <a:fld id="{B61BEF0D-F0BB-DE4B-95CE-6DB70DBA9567}" type="datetimeFigureOut">
               <a:rPr lang="en-US" dirty="0"/>
               <a:pPr/>
-              <a:t>3/2/2019</a:t>
+              <a:t>3/3/2019</a:t>
             </a:fld>
             <a:endParaRPr lang="en-US" dirty="0"/>
           </a:p>
@@ -2583,7 +2589,7 @@
             <a:fld id="{B61BEF0D-F0BB-DE4B-95CE-6DB70DBA9567}" type="datetimeFigureOut">
               <a:rPr lang="en-US" dirty="0"/>
               <a:pPr/>
-              <a:t>3/2/2019</a:t>
+              <a:t>3/3/2019</a:t>
             </a:fld>
             <a:endParaRPr lang="en-US" dirty="0"/>
           </a:p>
@@ -2760,7 +2766,7 @@
             <a:fld id="{B61BEF0D-F0BB-DE4B-95CE-6DB70DBA9567}" type="datetimeFigureOut">
               <a:rPr lang="en-US" dirty="0"/>
               <a:pPr/>
-              <a:t>3/2/2019</a:t>
+              <a:t>3/3/2019</a:t>
             </a:fld>
             <a:endParaRPr lang="en-US" dirty="0"/>
           </a:p>
@@ -2927,7 +2933,7 @@
             <a:fld id="{B61BEF0D-F0BB-DE4B-95CE-6DB70DBA9567}" type="datetimeFigureOut">
               <a:rPr lang="en-US" dirty="0"/>
               <a:pPr/>
-              <a:t>3/2/2019</a:t>
+              <a:t>3/3/2019</a:t>
             </a:fld>
             <a:endParaRPr lang="en-US" dirty="0"/>
           </a:p>
@@ -3181,7 +3187,7 @@
             <a:fld id="{B61BEF0D-F0BB-DE4B-95CE-6DB70DBA9567}" type="datetimeFigureOut">
               <a:rPr lang="en-US" dirty="0"/>
               <a:pPr/>
-              <a:t>3/2/2019</a:t>
+              <a:t>3/3/2019</a:t>
             </a:fld>
             <a:endParaRPr lang="en-US" dirty="0"/>
           </a:p>
@@ -3470,7 +3476,7 @@
             <a:fld id="{B61BEF0D-F0BB-DE4B-95CE-6DB70DBA9567}" type="datetimeFigureOut">
               <a:rPr lang="en-US" dirty="0"/>
               <a:pPr/>
-              <a:t>3/2/2019</a:t>
+              <a:t>3/3/2019</a:t>
             </a:fld>
             <a:endParaRPr lang="en-US" dirty="0"/>
           </a:p>
@@ -3897,7 +3903,7 @@
             <a:fld id="{B61BEF0D-F0BB-DE4B-95CE-6DB70DBA9567}" type="datetimeFigureOut">
               <a:rPr lang="en-US" dirty="0"/>
               <a:pPr/>
-              <a:t>3/2/2019</a:t>
+              <a:t>3/3/2019</a:t>
             </a:fld>
             <a:endParaRPr lang="en-US" dirty="0"/>
           </a:p>
@@ -4012,7 +4018,7 @@
             <a:fld id="{B61BEF0D-F0BB-DE4B-95CE-6DB70DBA9567}" type="datetimeFigureOut">
               <a:rPr lang="en-US" dirty="0"/>
               <a:pPr/>
-              <a:t>3/2/2019</a:t>
+              <a:t>3/3/2019</a:t>
             </a:fld>
             <a:endParaRPr lang="en-US" dirty="0"/>
           </a:p>
@@ -4104,7 +4110,7 @@
             <a:fld id="{B61BEF0D-F0BB-DE4B-95CE-6DB70DBA9567}" type="datetimeFigureOut">
               <a:rPr lang="en-US" dirty="0"/>
               <a:pPr/>
-              <a:t>3/2/2019</a:t>
+              <a:t>3/3/2019</a:t>
             </a:fld>
             <a:endParaRPr lang="en-US" dirty="0"/>
           </a:p>
@@ -4384,7 +4390,7 @@
             <a:fld id="{B61BEF0D-F0BB-DE4B-95CE-6DB70DBA9567}" type="datetimeFigureOut">
               <a:rPr lang="en-US" dirty="0"/>
               <a:pPr/>
-              <a:t>3/2/2019</a:t>
+              <a:t>3/3/2019</a:t>
             </a:fld>
             <a:endParaRPr lang="en-US" dirty="0"/>
           </a:p>
@@ -4672,7 +4678,7 @@
             <a:fld id="{B61BEF0D-F0BB-DE4B-95CE-6DB70DBA9567}" type="datetimeFigureOut">
               <a:rPr lang="en-US" dirty="0"/>
               <a:pPr/>
-              <a:t>3/2/2019</a:t>
+              <a:t>3/3/2019</a:t>
             </a:fld>
             <a:endParaRPr lang="en-US" dirty="0"/>
           </a:p>
@@ -4900,7 +4906,7 @@
             <a:fld id="{B61BEF0D-F0BB-DE4B-95CE-6DB70DBA9567}" type="datetimeFigureOut">
               <a:rPr lang="en-US" dirty="0"/>
               <a:pPr/>
-              <a:t>3/2/2019</a:t>
+              <a:t>3/3/2019</a:t>
             </a:fld>
             <a:endParaRPr lang="en-US" dirty="0"/>
           </a:p>
@@ -5670,86 +5676,6 @@
           <p:cNvPr id="2" name="Title 1">
             <a:extLst>
               <a:ext uri="{FF2B5EF4-FFF2-40B4-BE49-F238E27FC236}">
-                <a16:creationId xmlns:a16="http://schemas.microsoft.com/office/drawing/2014/main" id="{E55775FC-5CC9-49E3-9BFD-82D433934DFA}"/>
-              </a:ext>
-            </a:extLst>
-          </p:cNvPr>
-          <p:cNvSpPr>
-            <a:spLocks noGrp="1"/>
-          </p:cNvSpPr>
-          <p:nvPr>
-            <p:ph type="ctrTitle"/>
-          </p:nvPr>
-        </p:nvSpPr>
-        <p:spPr/>
-        <p:txBody>
-          <a:bodyPr/>
-          <a:lstStyle/>
-          <a:p>
-            <a:endParaRPr lang="en-US" dirty="0"/>
-          </a:p>
-        </p:txBody>
-      </p:sp>
-      <p:sp>
-        <p:nvSpPr>
-          <p:cNvPr id="3" name="Subtitle 2">
-            <a:extLst>
-              <a:ext uri="{FF2B5EF4-FFF2-40B4-BE49-F238E27FC236}">
-                <a16:creationId xmlns:a16="http://schemas.microsoft.com/office/drawing/2014/main" id="{0F522DCC-0861-4629-9A02-00B238F936CB}"/>
-              </a:ext>
-            </a:extLst>
-          </p:cNvPr>
-          <p:cNvSpPr>
-            <a:spLocks noGrp="1"/>
-          </p:cNvSpPr>
-          <p:nvPr>
-            <p:ph type="subTitle" idx="1"/>
-          </p:nvPr>
-        </p:nvSpPr>
-        <p:spPr/>
-        <p:txBody>
-          <a:bodyPr/>
-          <a:lstStyle/>
-          <a:p>
-            <a:endParaRPr lang="en-US"/>
-          </a:p>
-        </p:txBody>
-      </p:sp>
-    </p:spTree>
-    <p:extLst>
-      <p:ext uri="{BB962C8B-B14F-4D97-AF65-F5344CB8AC3E}">
-        <p14:creationId xmlns:p14="http://schemas.microsoft.com/office/powerpoint/2010/main" val="3664037120"/>
-      </p:ext>
-    </p:extLst>
-  </p:cSld>
-  <p:clrMapOvr>
-    <a:masterClrMapping/>
-  </p:clrMapOvr>
-</p:sld>
-</file>
-
-<file path=ppt/slides/slide2.xml><?xml version="1.0" encoding="utf-8"?>
-<p:sld xmlns:a="http://schemas.openxmlformats.org/drawingml/2006/main" xmlns:r="http://schemas.openxmlformats.org/officeDocument/2006/relationships" xmlns:p="http://schemas.openxmlformats.org/presentationml/2006/main">
-  <p:cSld>
-    <p:spTree>
-      <p:nvGrpSpPr>
-        <p:cNvPr id="1" name=""/>
-        <p:cNvGrpSpPr/>
-        <p:nvPr/>
-      </p:nvGrpSpPr>
-      <p:grpSpPr>
-        <a:xfrm>
-          <a:off x="0" y="0"/>
-          <a:ext cx="0" cy="0"/>
-          <a:chOff x="0" y="0"/>
-          <a:chExt cx="0" cy="0"/>
-        </a:xfrm>
-      </p:grpSpPr>
-      <p:sp>
-        <p:nvSpPr>
-          <p:cNvPr id="2" name="Title 1">
-            <a:extLst>
-              <a:ext uri="{FF2B5EF4-FFF2-40B4-BE49-F238E27FC236}">
                 <a16:creationId xmlns:a16="http://schemas.microsoft.com/office/drawing/2014/main" id="{76D21BB7-06E5-485E-A981-028A8A7DC067}"/>
               </a:ext>
             </a:extLst>
@@ -5841,6 +5767,397 @@
     <p:extLst>
       <p:ext uri="{BB962C8B-B14F-4D97-AF65-F5344CB8AC3E}">
         <p14:creationId xmlns:p14="http://schemas.microsoft.com/office/powerpoint/2010/main" val="3776323760"/>
+      </p:ext>
+    </p:extLst>
+  </p:cSld>
+  <p:clrMapOvr>
+    <a:masterClrMapping/>
+  </p:clrMapOvr>
+</p:sld>
+</file>
+
+<file path=ppt/slides/slide2.xml><?xml version="1.0" encoding="utf-8"?>
+<p:sld xmlns:a="http://schemas.openxmlformats.org/drawingml/2006/main" xmlns:r="http://schemas.openxmlformats.org/officeDocument/2006/relationships" xmlns:p="http://schemas.openxmlformats.org/presentationml/2006/main">
+  <p:cSld>
+    <p:spTree>
+      <p:nvGrpSpPr>
+        <p:cNvPr id="1" name=""/>
+        <p:cNvGrpSpPr/>
+        <p:nvPr/>
+      </p:nvGrpSpPr>
+      <p:grpSpPr>
+        <a:xfrm>
+          <a:off x="0" y="0"/>
+          <a:ext cx="0" cy="0"/>
+          <a:chOff x="0" y="0"/>
+          <a:chExt cx="0" cy="0"/>
+        </a:xfrm>
+      </p:grpSpPr>
+      <p:sp>
+        <p:nvSpPr>
+          <p:cNvPr id="2" name="Title 1">
+            <a:extLst>
+              <a:ext uri="{FF2B5EF4-FFF2-40B4-BE49-F238E27FC236}">
+                <a16:creationId xmlns:a16="http://schemas.microsoft.com/office/drawing/2014/main" id="{E55775FC-5CC9-49E3-9BFD-82D433934DFA}"/>
+              </a:ext>
+            </a:extLst>
+          </p:cNvPr>
+          <p:cNvSpPr>
+            <a:spLocks noGrp="1"/>
+          </p:cNvSpPr>
+          <p:nvPr>
+            <p:ph type="ctrTitle"/>
+          </p:nvPr>
+        </p:nvSpPr>
+        <p:spPr/>
+        <p:txBody>
+          <a:bodyPr/>
+          <a:lstStyle/>
+          <a:p>
+            <a:r>
+              <a:rPr lang="en-US" dirty="0"/>
+              <a:t>Who are the top employers?</a:t>
+            </a:r>
+          </a:p>
+        </p:txBody>
+      </p:sp>
+      <p:sp>
+        <p:nvSpPr>
+          <p:cNvPr id="3" name="Subtitle 2">
+            <a:extLst>
+              <a:ext uri="{FF2B5EF4-FFF2-40B4-BE49-F238E27FC236}">
+                <a16:creationId xmlns:a16="http://schemas.microsoft.com/office/drawing/2014/main" id="{0F522DCC-0861-4629-9A02-00B238F936CB}"/>
+              </a:ext>
+            </a:extLst>
+          </p:cNvPr>
+          <p:cNvSpPr>
+            <a:spLocks noGrp="1"/>
+          </p:cNvSpPr>
+          <p:nvPr>
+            <p:ph type="subTitle" idx="1"/>
+          </p:nvPr>
+        </p:nvSpPr>
+        <p:spPr/>
+        <p:txBody>
+          <a:bodyPr/>
+          <a:lstStyle/>
+          <a:p>
+            <a:r>
+              <a:rPr lang="en-US" dirty="0"/>
+              <a:t>…and what are they looking for?</a:t>
+            </a:r>
+          </a:p>
+        </p:txBody>
+      </p:sp>
+    </p:spTree>
+    <p:extLst>
+      <p:ext uri="{BB962C8B-B14F-4D97-AF65-F5344CB8AC3E}">
+        <p14:creationId xmlns:p14="http://schemas.microsoft.com/office/powerpoint/2010/main" val="3664037120"/>
+      </p:ext>
+    </p:extLst>
+  </p:cSld>
+  <p:clrMapOvr>
+    <a:masterClrMapping/>
+  </p:clrMapOvr>
+</p:sld>
+</file>
+
+<file path=ppt/slides/slide3.xml><?xml version="1.0" encoding="utf-8"?>
+<p:sld xmlns:a="http://schemas.openxmlformats.org/drawingml/2006/main" xmlns:r="http://schemas.openxmlformats.org/officeDocument/2006/relationships" xmlns:p="http://schemas.openxmlformats.org/presentationml/2006/main">
+  <p:cSld>
+    <p:bg>
+      <p:bgPr>
+        <a:blipFill rotWithShape="1">
+          <a:blip r:embed="rId2">
+            <a:duotone>
+              <a:schemeClr val="bg2">
+                <a:shade val="28000"/>
+                <a:satMod val="94000"/>
+                <a:lumMod val="20000"/>
+              </a:schemeClr>
+              <a:schemeClr val="bg2">
+                <a:tint val="94000"/>
+                <a:shade val="84000"/>
+                <a:satMod val="148000"/>
+                <a:lumMod val="114000"/>
+              </a:schemeClr>
+            </a:duotone>
+            <a:extLst/>
+          </a:blip>
+          <a:stretch/>
+        </a:blipFill>
+        <a:effectLst/>
+      </p:bgPr>
+    </p:bg>
+    <p:spTree>
+      <p:nvGrpSpPr>
+        <p:cNvPr id="1" name=""/>
+        <p:cNvGrpSpPr/>
+        <p:nvPr/>
+      </p:nvGrpSpPr>
+      <p:grpSpPr>
+        <a:xfrm>
+          <a:off x="0" y="0"/>
+          <a:ext cx="0" cy="0"/>
+          <a:chOff x="0" y="0"/>
+          <a:chExt cx="0" cy="0"/>
+        </a:xfrm>
+      </p:grpSpPr>
+      <p:sp>
+        <p:nvSpPr>
+          <p:cNvPr id="2" name="Title 1">
+            <a:extLst>
+              <a:ext uri="{FF2B5EF4-FFF2-40B4-BE49-F238E27FC236}">
+                <a16:creationId xmlns:a16="http://schemas.microsoft.com/office/drawing/2014/main" id="{DFFBFBCE-6A38-480E-A737-53D9779ADABD}"/>
+              </a:ext>
+            </a:extLst>
+          </p:cNvPr>
+          <p:cNvSpPr>
+            <a:spLocks noGrp="1"/>
+          </p:cNvSpPr>
+          <p:nvPr>
+            <p:ph type="title"/>
+          </p:nvPr>
+        </p:nvSpPr>
+        <p:spPr>
+          <a:xfrm>
+            <a:off x="643192" y="609600"/>
+            <a:ext cx="3643674" cy="1465385"/>
+          </a:xfrm>
+        </p:spPr>
+        <p:txBody>
+          <a:bodyPr vert="horz" lIns="91440" tIns="45720" rIns="91440" bIns="45720" rtlCol="0" anchor="ctr">
+            <a:normAutofit/>
+          </a:bodyPr>
+          <a:lstStyle/>
+          <a:p>
+            <a:r>
+              <a:rPr lang="en-US" sz="2800" dirty="0"/>
+              <a:t>Data Scientist</a:t>
+            </a:r>
+          </a:p>
+        </p:txBody>
+      </p:sp>
+      <p:sp>
+        <p:nvSpPr>
+          <p:cNvPr id="4" name="Text Placeholder 3">
+            <a:extLst>
+              <a:ext uri="{FF2B5EF4-FFF2-40B4-BE49-F238E27FC236}">
+                <a16:creationId xmlns:a16="http://schemas.microsoft.com/office/drawing/2014/main" id="{23E0C2BC-5B1E-4D18-A9DF-0C6A4D22A79B}"/>
+              </a:ext>
+            </a:extLst>
+          </p:cNvPr>
+          <p:cNvSpPr>
+            <a:spLocks noGrp="1"/>
+          </p:cNvSpPr>
+          <p:nvPr>
+            <p:ph type="body" sz="half" idx="2"/>
+          </p:nvPr>
+        </p:nvSpPr>
+        <p:spPr>
+          <a:xfrm>
+            <a:off x="643192" y="2184889"/>
+            <a:ext cx="3282573" cy="3525716"/>
+          </a:xfrm>
+        </p:spPr>
+        <p:txBody>
+          <a:bodyPr vert="horz" lIns="91440" tIns="45720" rIns="91440" bIns="45720" rtlCol="0" anchor="t">
+            <a:normAutofit lnSpcReduction="10000"/>
+          </a:bodyPr>
+          <a:lstStyle/>
+          <a:p>
+            <a:pPr>
+              <a:buFont typeface="Arial"/>
+              <a:buChar char="•"/>
+            </a:pPr>
+            <a:r>
+              <a:rPr lang="en-US" sz="1800" dirty="0">
+                <a:solidFill>
+                  <a:srgbClr val="FFC000"/>
+                </a:solidFill>
+              </a:rPr>
+              <a:t>Amazon: machine learning</a:t>
+            </a:r>
+          </a:p>
+          <a:p>
+            <a:endParaRPr lang="en-US" sz="1800" dirty="0">
+              <a:solidFill>
+                <a:srgbClr val="FFC000"/>
+              </a:solidFill>
+            </a:endParaRPr>
+          </a:p>
+          <a:p>
+            <a:pPr>
+              <a:buFont typeface="Arial"/>
+              <a:buChar char="•"/>
+            </a:pPr>
+            <a:r>
+              <a:rPr lang="en-US" sz="1800" dirty="0">
+                <a:solidFill>
+                  <a:srgbClr val="FFC000"/>
+                </a:solidFill>
+              </a:rPr>
+              <a:t>Google: data scientist</a:t>
+            </a:r>
+          </a:p>
+          <a:p>
+            <a:pPr>
+              <a:buFont typeface="Arial"/>
+              <a:buChar char="•"/>
+            </a:pPr>
+            <a:endParaRPr lang="en-US" sz="1800" dirty="0">
+              <a:solidFill>
+                <a:srgbClr val="FFC000"/>
+              </a:solidFill>
+            </a:endParaRPr>
+          </a:p>
+          <a:p>
+            <a:pPr>
+              <a:buFont typeface="Arial"/>
+              <a:buChar char="•"/>
+            </a:pPr>
+            <a:r>
+              <a:rPr lang="en-US" sz="1800" dirty="0" err="1">
+                <a:solidFill>
+                  <a:srgbClr val="FFC000"/>
+                </a:solidFill>
+              </a:rPr>
+              <a:t>Harnom</a:t>
+            </a:r>
+            <a:r>
+              <a:rPr lang="en-US" sz="1800" dirty="0">
+                <a:solidFill>
+                  <a:srgbClr val="FFC000"/>
+                </a:solidFill>
+              </a:rPr>
+              <a:t>: data scientist</a:t>
+            </a:r>
+          </a:p>
+          <a:p>
+            <a:pPr>
+              <a:buFont typeface="Arial"/>
+              <a:buChar char="•"/>
+            </a:pPr>
+            <a:endParaRPr lang="en-US" sz="1800" dirty="0">
+              <a:solidFill>
+                <a:srgbClr val="FFC000"/>
+              </a:solidFill>
+            </a:endParaRPr>
+          </a:p>
+          <a:p>
+            <a:pPr>
+              <a:buFont typeface="Arial"/>
+              <a:buChar char="•"/>
+            </a:pPr>
+            <a:r>
+              <a:rPr lang="en-US" sz="1800" dirty="0" err="1">
+                <a:solidFill>
+                  <a:srgbClr val="FFC000"/>
+                </a:solidFill>
+              </a:rPr>
+              <a:t>Kpmg</a:t>
+            </a:r>
+            <a:r>
+              <a:rPr lang="en-US" sz="1800" dirty="0">
+                <a:solidFill>
+                  <a:srgbClr val="FFC000"/>
+                </a:solidFill>
+              </a:rPr>
+              <a:t>: data scientist</a:t>
+            </a:r>
+          </a:p>
+          <a:p>
+            <a:pPr>
+              <a:buFont typeface="Arial"/>
+              <a:buChar char="•"/>
+            </a:pPr>
+            <a:endParaRPr lang="en-US" sz="1800" dirty="0">
+              <a:solidFill>
+                <a:srgbClr val="FFC000"/>
+              </a:solidFill>
+            </a:endParaRPr>
+          </a:p>
+          <a:p>
+            <a:pPr>
+              <a:buFont typeface="Arial"/>
+              <a:buChar char="•"/>
+            </a:pPr>
+            <a:r>
+              <a:rPr lang="en-US" sz="1800" dirty="0">
+                <a:solidFill>
+                  <a:srgbClr val="FFC000"/>
+                </a:solidFill>
+              </a:rPr>
+              <a:t>Microsoft: data scientist</a:t>
+            </a:r>
+          </a:p>
+          <a:p>
+            <a:pPr lvl="1"/>
+            <a:endParaRPr lang="en-US" sz="1400" dirty="0"/>
+          </a:p>
+        </p:txBody>
+      </p:sp>
+      <p:pic>
+        <p:nvPicPr>
+          <p:cNvPr id="8" name="Content Placeholder 7">
+            <a:extLst>
+              <a:ext uri="{FF2B5EF4-FFF2-40B4-BE49-F238E27FC236}">
+                <a16:creationId xmlns:a16="http://schemas.microsoft.com/office/drawing/2014/main" id="{22866AEE-CBD8-4487-8C65-CE5DF49A7E35}"/>
+              </a:ext>
+            </a:extLst>
+          </p:cNvPr>
+          <p:cNvPicPr>
+            <a:picLocks noGrp="1" noChangeAspect="1"/>
+          </p:cNvPicPr>
+          <p:nvPr>
+            <p:ph idx="1"/>
+          </p:nvPr>
+        </p:nvPicPr>
+        <p:blipFill>
+          <a:blip r:embed="rId3"/>
+          <a:stretch>
+            <a:fillRect/>
+          </a:stretch>
+        </p:blipFill>
+        <p:spPr>
+          <a:xfrm>
+            <a:off x="4604618" y="1176404"/>
+            <a:ext cx="7316867" cy="4390120"/>
+          </a:xfrm>
+          <a:prstGeom prst="roundRect">
+            <a:avLst>
+              <a:gd name="adj" fmla="val 3517"/>
+            </a:avLst>
+          </a:prstGeom>
+          <a:ln w="38100">
+            <a:gradFill flip="none" rotWithShape="1">
+              <a:gsLst>
+                <a:gs pos="0">
+                  <a:srgbClr val="363D46"/>
+                </a:gs>
+                <a:gs pos="100000">
+                  <a:srgbClr val="363D46">
+                    <a:lumMod val="75000"/>
+                  </a:srgbClr>
+                </a:gs>
+              </a:gsLst>
+              <a:lin ang="5400000" scaled="0"/>
+              <a:tileRect/>
+            </a:gradFill>
+          </a:ln>
+          <a:effectLst>
+            <a:innerShdw blurRad="57150" dist="38100" dir="14460000">
+              <a:srgbClr val="000000">
+                <a:alpha val="70000"/>
+              </a:srgbClr>
+            </a:innerShdw>
+          </a:effectLst>
+        </p:spPr>
+      </p:pic>
+    </p:spTree>
+    <p:extLst>
+      <p:ext uri="{BB962C8B-B14F-4D97-AF65-F5344CB8AC3E}">
+        <p14:creationId xmlns:p14="http://schemas.microsoft.com/office/powerpoint/2010/main" val="2165995099"/>
       </p:ext>
     </p:extLst>
   </p:cSld>
